--- a/Presentation_deck_1.0.pptx
+++ b/Presentation_deck_1.0.pptx
@@ -266,7 +266,7 @@
       <p15:sldGuideLst xmlns:p15="http://schemas.microsoft.com/office/powerpoint/2012/main"/>
     </p:ext>
     <p:ext uri="http://customooxmlschemas.google.com/">
-      <go:slidesCustomData xmlns="" xmlns:go="http://customooxmlschemas.google.com/" xmlns:ahyp="http://schemas.microsoft.com/office/drawing/2018/hyperlinkcolor" xmlns:p15="http://schemas.microsoft.com/office/powerpoint/2012/main" xmlns:p14="http://schemas.microsoft.com/office/powerpoint/2010/main" xmlns:com="http://schemas.openxmlformats.org/drawingml/2006/compatibility" xmlns:pvml="urn:schemas-microsoft-com:office:powerpoint" xmlns:v="urn:schemas-microsoft-com:vml" xmlns:o="urn:schemas-microsoft-com:office:office" xmlns:dgm="http://schemas.openxmlformats.org/drawingml/2006/diagram" xmlns:c="http://schemas.openxmlformats.org/drawingml/2006/chart" xmlns:mv="urn:schemas-microsoft-com:mac:vml" xmlns:mc="http://schemas.openxmlformats.org/markup-compatibility/2006" r:id="rId26" roundtripDataSignature="AMtx7mjZjWOrHCKZ2HBFVGihIS4jNXxr6g=="/>
+      <go:slidesCustomData xmlns:mc="http://schemas.openxmlformats.org/markup-compatibility/2006" xmlns:mv="urn:schemas-microsoft-com:mac:vml" xmlns:c="http://schemas.openxmlformats.org/drawingml/2006/chart" xmlns:dgm="http://schemas.openxmlformats.org/drawingml/2006/diagram" xmlns:o="urn:schemas-microsoft-com:office:office" xmlns:v="urn:schemas-microsoft-com:vml" xmlns:pvml="urn:schemas-microsoft-com:office:powerpoint" xmlns:com="http://schemas.openxmlformats.org/drawingml/2006/compatibility" xmlns:p14="http://schemas.microsoft.com/office/powerpoint/2010/main" xmlns:p15="http://schemas.microsoft.com/office/powerpoint/2012/main" xmlns:ahyp="http://schemas.microsoft.com/office/drawing/2018/hyperlinkcolor" xmlns:go="http://customooxmlschemas.google.com/" xmlns="" r:id="rId26" roundtripDataSignature="AMtx7mjZjWOrHCKZ2HBFVGihIS4jNXxr6g=="/>
     </p:ext>
   </p:extLst>
 </p:presentation>
@@ -16553,8 +16553,12 @@
           <a:p>
             <a:pPr marL="749300" lvl="1" indent="-342900"/>
             <a:r>
+              <a:rPr lang="en-US" sz="2000"/>
+              <a:t>The team </a:t>
+            </a:r>
+            <a:r>
               <a:rPr lang="en-US" sz="2000" dirty="0"/>
-              <a:t>We performed feature engineering on a large subset of data and generated so many features only to conclude that information about merchant and user are the most significant.</a:t>
+              <a:t>performed feature engineering on a large subset of data and generated so many features only to conclude that information about merchant and user are the most significant.</a:t>
             </a:r>
             <a:endParaRPr lang="en-US" dirty="0">
               <a:sym typeface="Calibri"/>
